--- a/AP Java/Week5/Week5.pptx
+++ b/AP Java/Week5/Week5.pptx
@@ -228,7 +228,7 @@
           <a:p>
             <a:fld id="{3B1E9AFA-C894-394C-A716-3DE2DD13D94C}" type="datetimeFigureOut">
               <a:rPr lang="en-US" smtClean="0"/>
-              <a:t>7/25/22</a:t>
+              <a:t>7/27/22</a:t>
             </a:fld>
             <a:endParaRPr lang="en-US"/>
           </a:p>
@@ -540,14 +540,18 @@
           <a:lstStyle/>
           <a:p>
             <a:r>
+              <a:rPr lang="en-US"/>
+              <a:t>11</a:t>
+            </a:r>
+            <a:r>
               <a:rPr lang="en-US" dirty="0"/>
-              <a:t>1, 3, 8, 11, 13, 14, 17, 18, 19, </a:t>
+              <a:t>, 13, 14, 17, 18, 19, </a:t>
             </a:r>
           </a:p>
           <a:p>
             <a:r>
               <a:rPr lang="en-US" dirty="0"/>
-              <a:t>1, 2, 3, 4, 6, 8, 9, 10, 11, 16, 18, 19, 21, 22, 23</a:t>
+              <a:t>10, 11, 16, 18, 19, 21, 22, 23</a:t>
             </a:r>
           </a:p>
         </p:txBody>
@@ -922,7 +926,7 @@
           <a:p>
             <a:fld id="{9184DA70-C731-4C70-880D-CCD4705E623C}" type="datetime1">
               <a:rPr lang="en-US" smtClean="0"/>
-              <a:t>7/25/22</a:t>
+              <a:t>7/27/22</a:t>
             </a:fld>
             <a:endParaRPr lang="en-US" dirty="0"/>
           </a:p>
@@ -1110,7 +1114,7 @@
           <a:p>
             <a:fld id="{B612A279-0833-481D-8C56-F67FD0AC6C50}" type="datetime1">
               <a:rPr lang="en-US" smtClean="0"/>
-              <a:t>7/25/22</a:t>
+              <a:t>7/27/22</a:t>
             </a:fld>
             <a:endParaRPr lang="en-US" dirty="0"/>
           </a:p>
@@ -1352,7 +1356,7 @@
           <a:p>
             <a:fld id="{6587DA83-5663-4C9C-B9AA-0B40A3DAFF81}" type="datetime1">
               <a:rPr lang="en-US" smtClean="0"/>
-              <a:t>7/25/22</a:t>
+              <a:t>7/27/22</a:t>
             </a:fld>
             <a:endParaRPr lang="en-US" dirty="0"/>
           </a:p>
@@ -1540,7 +1544,7 @@
           <a:p>
             <a:fld id="{4BE1D723-8F53-4F53-90B0-1982A396982E}" type="datetime1">
               <a:rPr lang="en-US" smtClean="0"/>
-              <a:t>7/25/22</a:t>
+              <a:t>7/27/22</a:t>
             </a:fld>
             <a:endParaRPr lang="en-US" dirty="0"/>
           </a:p>
@@ -1913,7 +1917,7 @@
           <a:p>
             <a:fld id="{97669AF7-7BEB-44E4-9852-375E34362B5B}" type="datetime1">
               <a:rPr lang="en-US" smtClean="0"/>
-              <a:t>7/25/22</a:t>
+              <a:t>7/27/22</a:t>
             </a:fld>
             <a:endParaRPr lang="en-US" dirty="0"/>
           </a:p>
@@ -2168,7 +2172,7 @@
           <a:p>
             <a:fld id="{BAAAC38D-0552-4C82-B593-E6124DFADBE2}" type="datetime1">
               <a:rPr lang="en-US" smtClean="0"/>
-              <a:t>7/25/22</a:t>
+              <a:t>7/27/22</a:t>
             </a:fld>
             <a:endParaRPr lang="en-US" dirty="0"/>
           </a:p>
@@ -2565,7 +2569,7 @@
           <a:p>
             <a:fld id="{D9DF0F1C-5577-4ACB-BB62-DF8F3C494C7E}" type="datetime1">
               <a:rPr lang="en-US" smtClean="0"/>
-              <a:t>7/25/22</a:t>
+              <a:t>7/27/22</a:t>
             </a:fld>
             <a:endParaRPr lang="en-US" dirty="0"/>
           </a:p>
@@ -2701,7 +2705,7 @@
           <a:p>
             <a:fld id="{1775B394-D9F9-4F0C-B15D-605F45CB9E9F}" type="datetime1">
               <a:rPr lang="en-US" smtClean="0"/>
-              <a:t>7/25/22</a:t>
+              <a:t>7/27/22</a:t>
             </a:fld>
             <a:endParaRPr lang="en-US" dirty="0"/>
           </a:p>
@@ -2858,7 +2862,7 @@
           <a:p>
             <a:fld id="{39667345-2558-425A-8533-9BFDBCE15005}" type="datetime1">
               <a:rPr lang="en-US" smtClean="0"/>
-              <a:t>7/25/22</a:t>
+              <a:t>7/27/22</a:t>
             </a:fld>
             <a:endParaRPr lang="en-US" dirty="0"/>
           </a:p>
@@ -3187,7 +3191,7 @@
           <a:p>
             <a:fld id="{92BEA474-078D-4E9B-9B14-09A87B19DC46}" type="datetime1">
               <a:rPr lang="en-US" smtClean="0"/>
-              <a:t>7/25/22</a:t>
+              <a:t>7/27/22</a:t>
             </a:fld>
             <a:endParaRPr lang="en-US" dirty="0"/>
           </a:p>
@@ -3537,7 +3541,7 @@
           <a:p>
             <a:fld id="{4907D986-8816-4272-A432-0437A28A9828}" type="datetime1">
               <a:rPr lang="en-US" smtClean="0"/>
-              <a:t>7/25/22</a:t>
+              <a:t>7/27/22</a:t>
             </a:fld>
             <a:endParaRPr lang="en-US" dirty="0"/>
           </a:p>
@@ -3798,7 +3802,7 @@
           <a:p>
             <a:fld id="{62D6E202-B606-4609-B914-27C9371A1F6D}" type="datetime1">
               <a:rPr lang="en-US" smtClean="0"/>
-              <a:t>7/25/22</a:t>
+              <a:t>7/27/22</a:t>
             </a:fld>
             <a:endParaRPr lang="en-US" dirty="0"/>
           </a:p>
@@ -7352,7 +7356,10 @@
           <a:bodyPr/>
           <a:lstStyle/>
           <a:p>
-            <a:endParaRPr lang="en-US" dirty="0"/>
+            <a:r>
+              <a:rPr lang="en-US" dirty="0"/>
+              <a:t>Random Numbers</a:t>
+            </a:r>
           </a:p>
         </p:txBody>
       </p:sp>
@@ -7372,7 +7379,12 @@
             <p:ph idx="1"/>
           </p:nvPr>
         </p:nvSpPr>
-        <p:spPr/>
+        <p:spPr>
+          <a:xfrm>
+            <a:off x="1097280" y="2743200"/>
+            <a:ext cx="10058400" cy="3125892"/>
+          </a:xfrm>
+        </p:spPr>
         <p:txBody>
           <a:bodyPr/>
           <a:lstStyle/>
@@ -7383,12 +7395,52 @@
             </a:pPr>
             <a:r>
               <a:rPr lang="en-US" sz="2800" dirty="0"/>
-              <a:t> Hi</a:t>
+              <a:t> Produces a random real number in range 0.0 to 1.0, where 0.0 is included and 1.0 is not</a:t>
+            </a:r>
+          </a:p>
+          <a:p>
+            <a:pPr>
+              <a:buFont typeface="Courier New" panose="02070309020205020404" pitchFamily="49" charset="0"/>
+              <a:buChar char="o"/>
+            </a:pPr>
+            <a:r>
+              <a:rPr lang="en-US" sz="2800" dirty="0"/>
+              <a:t> We can scale or shift this range to transform he original interval 0.0 &lt;= x &lt; 1.0</a:t>
             </a:r>
             <a:endParaRPr lang="en-US" dirty="0"/>
           </a:p>
         </p:txBody>
       </p:sp>
+      <p:pic>
+        <p:nvPicPr>
+          <p:cNvPr id="4" name="Picture 3">
+            <a:extLst>
+              <a:ext uri="{FF2B5EF4-FFF2-40B4-BE49-F238E27FC236}">
+                <a16:creationId xmlns:a16="http://schemas.microsoft.com/office/drawing/2014/main" id="{552B2C08-F5E6-5A41-B7FD-A3C0B19862B0}"/>
+              </a:ext>
+            </a:extLst>
+          </p:cNvPr>
+          <p:cNvPicPr>
+            <a:picLocks noChangeAspect="1"/>
+          </p:cNvPicPr>
+          <p:nvPr/>
+        </p:nvPicPr>
+        <p:blipFill>
+          <a:blip r:embed="rId2"/>
+          <a:stretch>
+            <a:fillRect/>
+          </a:stretch>
+        </p:blipFill>
+        <p:spPr>
+          <a:xfrm>
+            <a:off x="1097280" y="1971069"/>
+            <a:ext cx="4478684" cy="538421"/>
+          </a:xfrm>
+          <a:prstGeom prst="rect">
+            <a:avLst/>
+          </a:prstGeom>
+        </p:spPr>
+      </p:pic>
     </p:spTree>
     <p:extLst>
       <p:ext uri="{BB962C8B-B14F-4D97-AF65-F5344CB8AC3E}">
